--- a/对比学习/信息瓶颈论文.pptx
+++ b/对比学习/信息瓶颈论文.pptx
@@ -5,15 +5,14 @@
     <p:sldMasterId id="2147483648" r:id="rId1"/>
   </p:sldMasterIdLst>
   <p:sldIdLst>
-    <p:sldId id="263" r:id="rId2"/>
-    <p:sldId id="256" r:id="rId3"/>
-    <p:sldId id="259" r:id="rId4"/>
-    <p:sldId id="257" r:id="rId5"/>
-    <p:sldId id="258" r:id="rId6"/>
-    <p:sldId id="260" r:id="rId7"/>
-    <p:sldId id="261" r:id="rId8"/>
-    <p:sldId id="262" r:id="rId9"/>
-    <p:sldId id="264" r:id="rId10"/>
+    <p:sldId id="256" r:id="rId2"/>
+    <p:sldId id="259" r:id="rId3"/>
+    <p:sldId id="257" r:id="rId4"/>
+    <p:sldId id="258" r:id="rId5"/>
+    <p:sldId id="260" r:id="rId6"/>
+    <p:sldId id="261" r:id="rId7"/>
+    <p:sldId id="262" r:id="rId8"/>
+    <p:sldId id="264" r:id="rId9"/>
   </p:sldIdLst>
   <p:sldSz cx="12192000" cy="6858000"/>
   <p:notesSz cx="6858000" cy="9144000"/>
@@ -267,7 +266,7 @@
           <a:p>
             <a:fld id="{2E6B1949-7A39-4808-B025-87F91E2AF08B}" type="datetimeFigureOut">
               <a:rPr lang="zh-CN" altLang="en-US" smtClean="0"/>
-              <a:t>2022-03-04</a:t>
+              <a:t>2024/3/21</a:t>
             </a:fld>
             <a:endParaRPr lang="zh-CN" altLang="en-US"/>
           </a:p>
@@ -465,7 +464,7 @@
           <a:p>
             <a:fld id="{2E6B1949-7A39-4808-B025-87F91E2AF08B}" type="datetimeFigureOut">
               <a:rPr lang="zh-CN" altLang="en-US" smtClean="0"/>
-              <a:t>2022-03-04</a:t>
+              <a:t>2024/3/21</a:t>
             </a:fld>
             <a:endParaRPr lang="zh-CN" altLang="en-US"/>
           </a:p>
@@ -673,7 +672,7 @@
           <a:p>
             <a:fld id="{2E6B1949-7A39-4808-B025-87F91E2AF08B}" type="datetimeFigureOut">
               <a:rPr lang="zh-CN" altLang="en-US" smtClean="0"/>
-              <a:t>2022-03-04</a:t>
+              <a:t>2024/3/21</a:t>
             </a:fld>
             <a:endParaRPr lang="zh-CN" altLang="en-US"/>
           </a:p>
@@ -871,7 +870,7 @@
           <a:p>
             <a:fld id="{2E6B1949-7A39-4808-B025-87F91E2AF08B}" type="datetimeFigureOut">
               <a:rPr lang="zh-CN" altLang="en-US" smtClean="0"/>
-              <a:t>2022-03-04</a:t>
+              <a:t>2024/3/21</a:t>
             </a:fld>
             <a:endParaRPr lang="zh-CN" altLang="en-US"/>
           </a:p>
@@ -1146,7 +1145,7 @@
           <a:p>
             <a:fld id="{2E6B1949-7A39-4808-B025-87F91E2AF08B}" type="datetimeFigureOut">
               <a:rPr lang="zh-CN" altLang="en-US" smtClean="0"/>
-              <a:t>2022-03-04</a:t>
+              <a:t>2024/3/21</a:t>
             </a:fld>
             <a:endParaRPr lang="zh-CN" altLang="en-US"/>
           </a:p>
@@ -1411,7 +1410,7 @@
           <a:p>
             <a:fld id="{2E6B1949-7A39-4808-B025-87F91E2AF08B}" type="datetimeFigureOut">
               <a:rPr lang="zh-CN" altLang="en-US" smtClean="0"/>
-              <a:t>2022-03-04</a:t>
+              <a:t>2024/3/21</a:t>
             </a:fld>
             <a:endParaRPr lang="zh-CN" altLang="en-US"/>
           </a:p>
@@ -1823,7 +1822,7 @@
           <a:p>
             <a:fld id="{2E6B1949-7A39-4808-B025-87F91E2AF08B}" type="datetimeFigureOut">
               <a:rPr lang="zh-CN" altLang="en-US" smtClean="0"/>
-              <a:t>2022-03-04</a:t>
+              <a:t>2024/3/21</a:t>
             </a:fld>
             <a:endParaRPr lang="zh-CN" altLang="en-US"/>
           </a:p>
@@ -1964,7 +1963,7 @@
           <a:p>
             <a:fld id="{2E6B1949-7A39-4808-B025-87F91E2AF08B}" type="datetimeFigureOut">
               <a:rPr lang="zh-CN" altLang="en-US" smtClean="0"/>
-              <a:t>2022-03-04</a:t>
+              <a:t>2024/3/21</a:t>
             </a:fld>
             <a:endParaRPr lang="zh-CN" altLang="en-US"/>
           </a:p>
@@ -2077,7 +2076,7 @@
           <a:p>
             <a:fld id="{2E6B1949-7A39-4808-B025-87F91E2AF08B}" type="datetimeFigureOut">
               <a:rPr lang="zh-CN" altLang="en-US" smtClean="0"/>
-              <a:t>2022-03-04</a:t>
+              <a:t>2024/3/21</a:t>
             </a:fld>
             <a:endParaRPr lang="zh-CN" altLang="en-US"/>
           </a:p>
@@ -2388,7 +2387,7 @@
           <a:p>
             <a:fld id="{2E6B1949-7A39-4808-B025-87F91E2AF08B}" type="datetimeFigureOut">
               <a:rPr lang="zh-CN" altLang="en-US" smtClean="0"/>
-              <a:t>2022-03-04</a:t>
+              <a:t>2024/3/21</a:t>
             </a:fld>
             <a:endParaRPr lang="zh-CN" altLang="en-US"/>
           </a:p>
@@ -2676,7 +2675,7 @@
           <a:p>
             <a:fld id="{2E6B1949-7A39-4808-B025-87F91E2AF08B}" type="datetimeFigureOut">
               <a:rPr lang="zh-CN" altLang="en-US" smtClean="0"/>
-              <a:t>2022-03-04</a:t>
+              <a:t>2024/3/21</a:t>
             </a:fld>
             <a:endParaRPr lang="zh-CN" altLang="en-US"/>
           </a:p>
@@ -2917,7 +2916,7 @@
           <a:p>
             <a:fld id="{2E6B1949-7A39-4808-B025-87F91E2AF08B}" type="datetimeFigureOut">
               <a:rPr lang="zh-CN" altLang="en-US" smtClean="0"/>
-              <a:t>2022-03-04</a:t>
+              <a:t>2024/3/21</a:t>
             </a:fld>
             <a:endParaRPr lang="zh-CN" altLang="en-US"/>
           </a:p>
@@ -3336,10 +3335,10 @@
       </p:grpSpPr>
       <p:sp>
         <p:nvSpPr>
-          <p:cNvPr id="4" name="文本框 3">
-            <a:extLst>
-              <a:ext uri="{FF2B5EF4-FFF2-40B4-BE49-F238E27FC236}">
-                <a16:creationId xmlns:a16="http://schemas.microsoft.com/office/drawing/2014/main" id="{7F6C5919-53E7-4A62-B0DA-0A7A6DEE8550}"/>
+          <p:cNvPr id="5" name="文本框 4">
+            <a:extLst>
+              <a:ext uri="{FF2B5EF4-FFF2-40B4-BE49-F238E27FC236}">
+                <a16:creationId xmlns:a16="http://schemas.microsoft.com/office/drawing/2014/main" id="{5E9873FB-0FD0-4732-B935-6DAD0912EE24}"/>
               </a:ext>
             </a:extLst>
           </p:cNvPr>
@@ -3348,171 +3347,7 @@
         </p:nvSpPr>
         <p:spPr>
           <a:xfrm>
-            <a:off x="5388990" y="622169"/>
-            <a:ext cx="1414020" cy="584775"/>
-          </a:xfrm>
-          <a:prstGeom prst="rect">
-            <a:avLst/>
-          </a:prstGeom>
-          <a:noFill/>
-        </p:spPr>
-        <p:txBody>
-          <a:bodyPr wrap="square" rtlCol="0">
-            <a:spAutoFit/>
-          </a:bodyPr>
-          <a:lstStyle/>
-          <a:p>
-            <a:r>
-              <a:rPr lang="zh-CN" altLang="en-US" sz="3200" dirty="0"/>
-              <a:t>周报</a:t>
-            </a:r>
-          </a:p>
-        </p:txBody>
-      </p:sp>
-      <p:sp>
-        <p:nvSpPr>
-          <p:cNvPr id="5" name="文本框 4">
-            <a:extLst>
-              <a:ext uri="{FF2B5EF4-FFF2-40B4-BE49-F238E27FC236}">
-                <a16:creationId xmlns:a16="http://schemas.microsoft.com/office/drawing/2014/main" id="{6A6051EA-BAC8-48A6-B006-DEA92340FE20}"/>
-              </a:ext>
-            </a:extLst>
-          </p:cNvPr>
-          <p:cNvSpPr txBox="1"/>
-          <p:nvPr/>
-        </p:nvSpPr>
-        <p:spPr>
-          <a:xfrm>
-            <a:off x="1260049" y="1791092"/>
-            <a:ext cx="9671902" cy="369332"/>
-          </a:xfrm>
-          <a:prstGeom prst="rect">
-            <a:avLst/>
-          </a:prstGeom>
-          <a:noFill/>
-        </p:spPr>
-        <p:txBody>
-          <a:bodyPr wrap="square" rtlCol="0">
-            <a:spAutoFit/>
-          </a:bodyPr>
-          <a:lstStyle/>
-          <a:p>
-            <a:r>
-              <a:rPr lang="en-US" altLang="zh-CN" dirty="0"/>
-              <a:t>1.</a:t>
-            </a:r>
-            <a:r>
-              <a:rPr lang="zh-CN" altLang="en-US" dirty="0"/>
-              <a:t>阅读审稿</a:t>
-            </a:r>
-            <a:r>
-              <a:rPr lang="en-US" altLang="zh-CN" dirty="0"/>
-              <a:t>《Self-Supervised Information Bottleneck for Deep Multi-View Subspace Clustering》</a:t>
-            </a:r>
-            <a:endParaRPr lang="zh-CN" altLang="en-US" dirty="0"/>
-          </a:p>
-        </p:txBody>
-      </p:sp>
-      <p:sp>
-        <p:nvSpPr>
-          <p:cNvPr id="6" name="文本框 5">
-            <a:extLst>
-              <a:ext uri="{FF2B5EF4-FFF2-40B4-BE49-F238E27FC236}">
-                <a16:creationId xmlns:a16="http://schemas.microsoft.com/office/drawing/2014/main" id="{CD72E6BB-3B36-4660-8CDF-A7209F5ACC49}"/>
-              </a:ext>
-            </a:extLst>
-          </p:cNvPr>
-          <p:cNvSpPr txBox="1"/>
-          <p:nvPr/>
-        </p:nvSpPr>
-        <p:spPr>
-          <a:xfrm>
-            <a:off x="1260049" y="3140697"/>
-            <a:ext cx="9671902" cy="369332"/>
-          </a:xfrm>
-          <a:prstGeom prst="rect">
-            <a:avLst/>
-          </a:prstGeom>
-          <a:noFill/>
-        </p:spPr>
-        <p:txBody>
-          <a:bodyPr wrap="square" rtlCol="0">
-            <a:spAutoFit/>
-          </a:bodyPr>
-          <a:lstStyle/>
-          <a:p>
-            <a:r>
-              <a:rPr lang="en-US" altLang="zh-CN" dirty="0"/>
-              <a:t>2.</a:t>
-            </a:r>
-            <a:r>
-              <a:rPr lang="zh-CN" altLang="en-US" dirty="0"/>
-              <a:t>实验：</a:t>
-            </a:r>
-            <a:r>
-              <a:rPr lang="en-US" altLang="zh-CN" dirty="0"/>
-              <a:t>Fashion-MNIST</a:t>
-            </a:r>
-            <a:r>
-              <a:rPr lang="zh-CN" altLang="en-US" dirty="0"/>
-              <a:t>数据集的参数分析，以及跑出</a:t>
-            </a:r>
-            <a:r>
-              <a:rPr lang="en-US" altLang="zh-CN" dirty="0"/>
-              <a:t>MNIST</a:t>
-            </a:r>
-            <a:r>
-              <a:rPr lang="zh-CN" altLang="en-US" dirty="0"/>
-              <a:t>数据集的精度</a:t>
-            </a:r>
-          </a:p>
-        </p:txBody>
-      </p:sp>
-    </p:spTree>
-    <p:extLst>
-      <p:ext uri="{BB962C8B-B14F-4D97-AF65-F5344CB8AC3E}">
-        <p14:creationId xmlns:p14="http://schemas.microsoft.com/office/powerpoint/2010/main" val="1548567593"/>
-      </p:ext>
-    </p:extLst>
-  </p:cSld>
-  <p:clrMapOvr>
-    <a:masterClrMapping/>
-  </p:clrMapOvr>
-</p:sld>
-</file>
-
-<file path=ppt/slides/slide2.xml><?xml version="1.0" encoding="utf-8"?>
-<p:sld xmlns:a="http://schemas.openxmlformats.org/drawingml/2006/main" xmlns:r="http://schemas.openxmlformats.org/officeDocument/2006/relationships" xmlns:p="http://schemas.openxmlformats.org/presentationml/2006/main">
-  <p:cSld>
-    <p:spTree>
-      <p:nvGrpSpPr>
-        <p:cNvPr id="1" name=""/>
-        <p:cNvGrpSpPr/>
-        <p:nvPr/>
-      </p:nvGrpSpPr>
-      <p:grpSpPr>
-        <a:xfrm>
-          <a:off x="0" y="0"/>
-          <a:ext cx="0" cy="0"/>
-          <a:chOff x="0" y="0"/>
-          <a:chExt cx="0" cy="0"/>
-        </a:xfrm>
-      </p:grpSpPr>
-      <p:sp>
-        <p:nvSpPr>
-          <p:cNvPr id="5" name="文本框 4">
-            <a:extLst>
-              <a:ext uri="{FF2B5EF4-FFF2-40B4-BE49-F238E27FC236}">
-                <a16:creationId xmlns:a16="http://schemas.microsoft.com/office/drawing/2014/main" id="{5E9873FB-0FD0-4732-B935-6DAD0912EE24}"/>
-              </a:ext>
-            </a:extLst>
-          </p:cNvPr>
-          <p:cNvSpPr txBox="1"/>
-          <p:nvPr/>
-        </p:nvSpPr>
-        <p:spPr>
-          <a:xfrm>
-            <a:off x="4081955" y="2599769"/>
+            <a:off x="629629" y="2606542"/>
             <a:ext cx="6982905" cy="3970318"/>
           </a:xfrm>
           <a:prstGeom prst="rect">
@@ -3787,7 +3622,7 @@
 </p:sld>
 </file>
 
-<file path=ppt/slides/slide3.xml><?xml version="1.0" encoding="utf-8"?>
+<file path=ppt/slides/slide2.xml><?xml version="1.0" encoding="utf-8"?>
 <p:sld xmlns:a="http://schemas.openxmlformats.org/drawingml/2006/main" xmlns:r="http://schemas.openxmlformats.org/officeDocument/2006/relationships" xmlns:p="http://schemas.openxmlformats.org/presentationml/2006/main">
   <p:cSld>
     <p:spTree>
@@ -4034,7 +3869,7 @@
 </p:sld>
 </file>
 
-<file path=ppt/slides/slide4.xml><?xml version="1.0" encoding="utf-8"?>
+<file path=ppt/slides/slide3.xml><?xml version="1.0" encoding="utf-8"?>
 <p:sld xmlns:a="http://schemas.openxmlformats.org/drawingml/2006/main" xmlns:r="http://schemas.openxmlformats.org/officeDocument/2006/relationships" xmlns:p="http://schemas.openxmlformats.org/presentationml/2006/main">
   <p:cSld>
     <p:spTree>
@@ -5273,7 +5108,7 @@
 </p:sld>
 </file>
 
-<file path=ppt/slides/slide5.xml><?xml version="1.0" encoding="utf-8"?>
+<file path=ppt/slides/slide4.xml><?xml version="1.0" encoding="utf-8"?>
 <p:sld xmlns:a="http://schemas.openxmlformats.org/drawingml/2006/main" xmlns:r="http://schemas.openxmlformats.org/officeDocument/2006/relationships" xmlns:p="http://schemas.openxmlformats.org/presentationml/2006/main">
   <p:cSld>
     <p:spTree>
@@ -6090,7 +5925,7 @@
 </p:sld>
 </file>
 
-<file path=ppt/slides/slide6.xml><?xml version="1.0" encoding="utf-8"?>
+<file path=ppt/slides/slide5.xml><?xml version="1.0" encoding="utf-8"?>
 <p:sld xmlns:a="http://schemas.openxmlformats.org/drawingml/2006/main" xmlns:r="http://schemas.openxmlformats.org/officeDocument/2006/relationships" xmlns:p="http://schemas.openxmlformats.org/presentationml/2006/main">
   <p:cSld>
     <p:spTree>
@@ -8031,7 +7866,7 @@
 </p:sld>
 </file>
 
-<file path=ppt/slides/slide7.xml><?xml version="1.0" encoding="utf-8"?>
+<file path=ppt/slides/slide6.xml><?xml version="1.0" encoding="utf-8"?>
 <p:sld xmlns:a="http://schemas.openxmlformats.org/drawingml/2006/main" xmlns:r="http://schemas.openxmlformats.org/officeDocument/2006/relationships" xmlns:p="http://schemas.openxmlformats.org/presentationml/2006/main">
   <p:cSld>
     <p:spTree>
@@ -8743,7 +8578,7 @@
 </p:sld>
 </file>
 
-<file path=ppt/slides/slide8.xml><?xml version="1.0" encoding="utf-8"?>
+<file path=ppt/slides/slide7.xml><?xml version="1.0" encoding="utf-8"?>
 <p:sld xmlns:a="http://schemas.openxmlformats.org/drawingml/2006/main" xmlns:r="http://schemas.openxmlformats.org/officeDocument/2006/relationships" xmlns:p="http://schemas.openxmlformats.org/presentationml/2006/main">
   <p:cSld>
     <p:spTree>
@@ -8964,7 +8799,7 @@
 </p:sld>
 </file>
 
-<file path=ppt/slides/slide9.xml><?xml version="1.0" encoding="utf-8"?>
+<file path=ppt/slides/slide8.xml><?xml version="1.0" encoding="utf-8"?>
 <p:sld xmlns:a="http://schemas.openxmlformats.org/drawingml/2006/main" xmlns:r="http://schemas.openxmlformats.org/officeDocument/2006/relationships" xmlns:p="http://schemas.openxmlformats.org/presentationml/2006/main">
   <p:cSld>
     <p:spTree>
